--- a/Final Project/Final_Project_Pre_Jianghao.pptx
+++ b/Final Project/Final_Project_Pre_Jianghao.pptx
@@ -24,13 +24,14 @@
     <p:sldId id="279" r:id="rId18"/>
     <p:sldId id="282" r:id="rId19"/>
     <p:sldId id="289" r:id="rId20"/>
-    <p:sldId id="290" r:id="rId21"/>
-    <p:sldId id="291" r:id="rId22"/>
-    <p:sldId id="283" r:id="rId23"/>
-    <p:sldId id="285" r:id="rId24"/>
-    <p:sldId id="288" r:id="rId25"/>
-    <p:sldId id="284" r:id="rId26"/>
-    <p:sldId id="265" r:id="rId27"/>
+    <p:sldId id="292" r:id="rId21"/>
+    <p:sldId id="290" r:id="rId22"/>
+    <p:sldId id="291" r:id="rId23"/>
+    <p:sldId id="283" r:id="rId24"/>
+    <p:sldId id="285" r:id="rId25"/>
+    <p:sldId id="288" r:id="rId26"/>
+    <p:sldId id="284" r:id="rId27"/>
+    <p:sldId id="265" r:id="rId28"/>
   </p:sldIdLst>
   <p:sldSz cx="12192000" cy="6858000"/>
   <p:notesSz cx="6858000" cy="9144000"/>
@@ -333,7 +334,7 @@
           <a:p>
             <a:fld id="{56800ADB-E45B-426D-9730-C9268C39E7AA}" type="datetimeFigureOut">
               <a:rPr lang="en-HK" smtClean="0"/>
-              <a:t>26/12/2020</a:t>
+              <a:t>10/1/2021</a:t>
             </a:fld>
             <a:endParaRPr lang="en-HK"/>
           </a:p>
@@ -563,7 +564,7 @@
           <a:p>
             <a:fld id="{56800ADB-E45B-426D-9730-C9268C39E7AA}" type="datetimeFigureOut">
               <a:rPr lang="en-HK" smtClean="0"/>
-              <a:t>26/12/2020</a:t>
+              <a:t>10/1/2021</a:t>
             </a:fld>
             <a:endParaRPr lang="en-HK"/>
           </a:p>
@@ -1019,7 +1020,7 @@
           <a:p>
             <a:fld id="{56800ADB-E45B-426D-9730-C9268C39E7AA}" type="datetimeFigureOut">
               <a:rPr lang="en-HK" smtClean="0"/>
-              <a:t>26/12/2020</a:t>
+              <a:t>10/1/2021</a:t>
             </a:fld>
             <a:endParaRPr lang="en-HK"/>
           </a:p>
@@ -1161,7 +1162,7 @@
           <a:p>
             <a:fld id="{56800ADB-E45B-426D-9730-C9268C39E7AA}" type="datetimeFigureOut">
               <a:rPr lang="en-HK" smtClean="0"/>
-              <a:t>26/12/2020</a:t>
+              <a:t>10/1/2021</a:t>
             </a:fld>
             <a:endParaRPr lang="en-HK"/>
           </a:p>
@@ -1274,7 +1275,7 @@
           <a:p>
             <a:fld id="{56800ADB-E45B-426D-9730-C9268C39E7AA}" type="datetimeFigureOut">
               <a:rPr lang="en-HK" smtClean="0"/>
-              <a:t>26/12/2020</a:t>
+              <a:t>10/1/2021</a:t>
             </a:fld>
             <a:endParaRPr lang="en-HK"/>
           </a:p>
@@ -1587,7 +1588,7 @@
           <a:p>
             <a:fld id="{56800ADB-E45B-426D-9730-C9268C39E7AA}" type="datetimeFigureOut">
               <a:rPr lang="en-HK" smtClean="0"/>
-              <a:t>26/12/2020</a:t>
+              <a:t>10/1/2021</a:t>
             </a:fld>
             <a:endParaRPr lang="en-HK"/>
           </a:p>
@@ -1876,7 +1877,7 @@
           <a:p>
             <a:fld id="{56800ADB-E45B-426D-9730-C9268C39E7AA}" type="datetimeFigureOut">
               <a:rPr lang="en-HK" smtClean="0"/>
-              <a:t>26/12/2020</a:t>
+              <a:t>10/1/2021</a:t>
             </a:fld>
             <a:endParaRPr lang="en-HK"/>
           </a:p>
@@ -2076,7 +2077,7 @@
           <a:p>
             <a:fld id="{56800ADB-E45B-426D-9730-C9268C39E7AA}" type="datetimeFigureOut">
               <a:rPr lang="en-HK" smtClean="0"/>
-              <a:t>26/12/2020</a:t>
+              <a:t>10/1/2021</a:t>
             </a:fld>
             <a:endParaRPr lang="en-HK"/>
           </a:p>
@@ -2286,7 +2287,7 @@
           <a:p>
             <a:fld id="{56800ADB-E45B-426D-9730-C9268C39E7AA}" type="datetimeFigureOut">
               <a:rPr lang="en-HK" smtClean="0"/>
-              <a:t>26/12/2020</a:t>
+              <a:t>10/1/2021</a:t>
             </a:fld>
             <a:endParaRPr lang="en-HK"/>
           </a:p>
@@ -2529,7 +2530,7 @@
           <a:p>
             <a:fld id="{56800ADB-E45B-426D-9730-C9268C39E7AA}" type="datetimeFigureOut">
               <a:rPr lang="en-HK" smtClean="0"/>
-              <a:t>26/12/2020</a:t>
+              <a:t>10/1/2021</a:t>
             </a:fld>
             <a:endParaRPr lang="en-HK"/>
           </a:p>
@@ -4088,7 +4089,7 @@
           <a:p>
             <a:r>
               <a:rPr lang="zh-CN" altLang="en-US" dirty="0"/>
-              <a:t>差分</a:t>
+              <a:t>一阶差分</a:t>
             </a:r>
           </a:p>
         </p:txBody>
@@ -4380,6 +4381,93 @@
           <p:cNvPr id="2" name="标题 1">
             <a:extLst>
               <a:ext uri="{FF2B5EF4-FFF2-40B4-BE49-F238E27FC236}">
+                <a16:creationId xmlns:a16="http://schemas.microsoft.com/office/drawing/2014/main" id="{07E8FB5C-7FC1-41B3-BC98-EF32B0E1E150}"/>
+              </a:ext>
+            </a:extLst>
+          </p:cNvPr>
+          <p:cNvSpPr>
+            <a:spLocks noGrp="1"/>
+          </p:cNvSpPr>
+          <p:nvPr>
+            <p:ph type="title"/>
+          </p:nvPr>
+        </p:nvSpPr>
+        <p:spPr/>
+        <p:txBody>
+          <a:bodyPr/>
+          <a:lstStyle/>
+          <a:p>
+            <a:r>
+              <a:rPr lang="zh-CN" altLang="en-US" dirty="0"/>
+              <a:t>二阶差分</a:t>
+            </a:r>
+          </a:p>
+        </p:txBody>
+      </p:sp>
+      <p:pic>
+        <p:nvPicPr>
+          <p:cNvPr id="5" name="内容占位符 4">
+            <a:extLst>
+              <a:ext uri="{FF2B5EF4-FFF2-40B4-BE49-F238E27FC236}">
+                <a16:creationId xmlns:a16="http://schemas.microsoft.com/office/drawing/2014/main" id="{1CC5B34E-2231-400F-AC4F-11E0F1C0D6AF}"/>
+              </a:ext>
+            </a:extLst>
+          </p:cNvPr>
+          <p:cNvPicPr>
+            <a:picLocks noGrp="1" noChangeAspect="1"/>
+          </p:cNvPicPr>
+          <p:nvPr>
+            <p:ph idx="1"/>
+          </p:nvPr>
+        </p:nvPicPr>
+        <p:blipFill>
+          <a:blip r:embed="rId2"/>
+          <a:stretch>
+            <a:fillRect/>
+          </a:stretch>
+        </p:blipFill>
+        <p:spPr>
+          <a:xfrm>
+            <a:off x="2397428" y="1468424"/>
+            <a:ext cx="4424729" cy="4345432"/>
+          </a:xfrm>
+        </p:spPr>
+      </p:pic>
+    </p:spTree>
+    <p:extLst>
+      <p:ext uri="{BB962C8B-B14F-4D97-AF65-F5344CB8AC3E}">
+        <p14:creationId xmlns:p14="http://schemas.microsoft.com/office/powerpoint/2010/main" val="1935170046"/>
+      </p:ext>
+    </p:extLst>
+  </p:cSld>
+  <p:clrMapOvr>
+    <a:masterClrMapping/>
+  </p:clrMapOvr>
+</p:sld>
+</file>
+
+<file path=ppt/slides/slide21.xml><?xml version="1.0" encoding="utf-8"?>
+<p:sld xmlns:a="http://schemas.openxmlformats.org/drawingml/2006/main" xmlns:r="http://schemas.openxmlformats.org/officeDocument/2006/relationships" xmlns:p="http://schemas.openxmlformats.org/presentationml/2006/main">
+  <p:cSld>
+    <p:spTree>
+      <p:nvGrpSpPr>
+        <p:cNvPr id="1" name=""/>
+        <p:cNvGrpSpPr/>
+        <p:nvPr/>
+      </p:nvGrpSpPr>
+      <p:grpSpPr>
+        <a:xfrm>
+          <a:off x="0" y="0"/>
+          <a:ext cx="0" cy="0"/>
+          <a:chOff x="0" y="0"/>
+          <a:chExt cx="0" cy="0"/>
+        </a:xfrm>
+      </p:grpSpPr>
+      <p:sp>
+        <p:nvSpPr>
+          <p:cNvPr id="2" name="标题 1">
+            <a:extLst>
+              <a:ext uri="{FF2B5EF4-FFF2-40B4-BE49-F238E27FC236}">
                 <a16:creationId xmlns:a16="http://schemas.microsoft.com/office/drawing/2014/main" id="{8319A2D2-DA73-419C-8162-6BA83C92CB27}"/>
               </a:ext>
             </a:extLst>
@@ -4446,7 +4534,7 @@
 </p:sld>
 </file>
 
-<file path=ppt/slides/slide21.xml><?xml version="1.0" encoding="utf-8"?>
+<file path=ppt/slides/slide22.xml><?xml version="1.0" encoding="utf-8"?>
 <p:sld xmlns:a="http://schemas.openxmlformats.org/drawingml/2006/main" xmlns:r="http://schemas.openxmlformats.org/officeDocument/2006/relationships" xmlns:p="http://schemas.openxmlformats.org/presentationml/2006/main">
   <p:cSld>
     <p:spTree>
@@ -4534,7 +4622,7 @@
 </p:sld>
 </file>
 
-<file path=ppt/slides/slide22.xml><?xml version="1.0" encoding="utf-8"?>
+<file path=ppt/slides/slide23.xml><?xml version="1.0" encoding="utf-8"?>
 <p:sld xmlns:a="http://schemas.openxmlformats.org/drawingml/2006/main" xmlns:r="http://schemas.openxmlformats.org/officeDocument/2006/relationships" xmlns:p="http://schemas.openxmlformats.org/presentationml/2006/main">
   <p:cSld>
     <p:spTree>
@@ -4629,7 +4717,7 @@
 </p:sld>
 </file>
 
-<file path=ppt/slides/slide23.xml><?xml version="1.0" encoding="utf-8"?>
+<file path=ppt/slides/slide24.xml><?xml version="1.0" encoding="utf-8"?>
 <p:sld xmlns:a="http://schemas.openxmlformats.org/drawingml/2006/main" xmlns:r="http://schemas.openxmlformats.org/officeDocument/2006/relationships" xmlns:p="http://schemas.openxmlformats.org/presentationml/2006/main">
   <p:cSld>
     <p:spTree>
@@ -4727,7 +4815,7 @@
 </p:sld>
 </file>
 
-<file path=ppt/slides/slide24.xml><?xml version="1.0" encoding="utf-8"?>
+<file path=ppt/slides/slide25.xml><?xml version="1.0" encoding="utf-8"?>
 <p:sld xmlns:a="http://schemas.openxmlformats.org/drawingml/2006/main" xmlns:r="http://schemas.openxmlformats.org/officeDocument/2006/relationships" xmlns:p="http://schemas.openxmlformats.org/presentationml/2006/main">
   <p:cSld>
     <p:spTree>
@@ -4818,7 +4906,7 @@
 </p:sld>
 </file>
 
-<file path=ppt/slides/slide25.xml><?xml version="1.0" encoding="utf-8"?>
+<file path=ppt/slides/slide26.xml><?xml version="1.0" encoding="utf-8"?>
 <p:sld xmlns:a="http://schemas.openxmlformats.org/drawingml/2006/main" xmlns:r="http://schemas.openxmlformats.org/officeDocument/2006/relationships" xmlns:p="http://schemas.openxmlformats.org/presentationml/2006/main">
   <p:cSld>
     <p:spTree>
@@ -4972,13 +5060,22 @@
           <a:p>
             <a:pPr algn="just"/>
             <a:r>
+              <a:rPr lang="zh-CN" altLang="zh-CN" sz="1800" kern="100">
+                <a:effectLst/>
+                <a:latin typeface="等线" panose="02010600030101010101" pitchFamily="2" charset="-122"/>
+                <a:ea typeface="等线" panose="02010600030101010101" pitchFamily="2" charset="-122"/>
+                <a:cs typeface="Times New Roman" panose="02020603050405020304" pitchFamily="18" charset="0"/>
+              </a:rPr>
+              <a:t>所以</a:t>
+            </a:r>
+            <a:r>
               <a:rPr lang="zh-CN" altLang="zh-CN" sz="1800" kern="100" dirty="0">
                 <a:effectLst/>
                 <a:latin typeface="等线" panose="02010600030101010101" pitchFamily="2" charset="-122"/>
                 <a:ea typeface="等线" panose="02010600030101010101" pitchFamily="2" charset="-122"/>
                 <a:cs typeface="Times New Roman" panose="02020603050405020304" pitchFamily="18" charset="0"/>
               </a:rPr>
-              <a:t>所以需要有更多的数据更准确的数据才能完成较准确的预测（数据越多越准确是数据分析，预测的王道）</a:t>
+              <a:t>需要有更多更准确的数据才能完成较准确的预测（数据越多越准确是数据分析及预测的王道）</a:t>
             </a:r>
           </a:p>
           <a:p>
@@ -5027,7 +5124,7 @@
 </p:sld>
 </file>
 
-<file path=ppt/slides/slide26.xml><?xml version="1.0" encoding="utf-8"?>
+<file path=ppt/slides/slide27.xml><?xml version="1.0" encoding="utf-8"?>
 <p:sld xmlns:a="http://schemas.openxmlformats.org/drawingml/2006/main" xmlns:r="http://schemas.openxmlformats.org/officeDocument/2006/relationships" xmlns:p="http://schemas.openxmlformats.org/presentationml/2006/main">
   <p:cSld>
     <p:spTree>
